--- a/Docx/Плакат Бирюков.pptx
+++ b/Docx/Плакат Бирюков.pptx
@@ -316,7 +316,7 @@
   </p:defaultTextStyle>
   <p:extLst>
     <p:ext uri="{EFAFB233-063F-42B5-8137-9DF3F51BA10A}">
-      <p15:sldGuideLst xmlns:p15="http://schemas.microsoft.com/office/powerpoint/2012/main" xmlns=""/>
+      <p15:sldGuideLst xmlns="" xmlns:p15="http://schemas.microsoft.com/office/powerpoint/2012/main"/>
     </p:ext>
   </p:extLst>
 </p:presentation>
@@ -2948,7 +2948,7 @@
           </a:ln>
           <a:extLst>
             <a:ext uri="{C572A759-6A51-4108-AA02-DFA0A04FC94B}">
-              <ma14:wrappingTextBoxFlag xmlns:ma14="http://schemas.microsoft.com/office/mac/drawingml/2011/main" xmlns:a14="http://schemas.microsoft.com/office/drawing/2010/main" xmlns:m="http://schemas.openxmlformats.org/officeDocument/2006/math" xmlns="" val="1"/>
+              <ma14:wrappingTextBoxFlag xmlns="" xmlns:m="http://schemas.openxmlformats.org/officeDocument/2006/math" xmlns:a14="http://schemas.microsoft.com/office/drawing/2010/main" xmlns:ma14="http://schemas.microsoft.com/office/mac/drawingml/2011/main" val="1"/>
             </a:ext>
           </a:extLst>
         </p:spPr>
@@ -3003,7 +3003,7 @@
           </a:ln>
           <a:extLst>
             <a:ext uri="{C572A759-6A51-4108-AA02-DFA0A04FC94B}">
-              <ma14:wrappingTextBoxFlag xmlns:ma14="http://schemas.microsoft.com/office/mac/drawingml/2011/main" xmlns:a14="http://schemas.microsoft.com/office/drawing/2010/main" xmlns:m="http://schemas.openxmlformats.org/officeDocument/2006/math" xmlns="" val="1"/>
+              <ma14:wrappingTextBoxFlag xmlns="" xmlns:m="http://schemas.openxmlformats.org/officeDocument/2006/math" xmlns:a14="http://schemas.microsoft.com/office/drawing/2010/main" xmlns:ma14="http://schemas.microsoft.com/office/mac/drawingml/2011/main" val="1"/>
             </a:ext>
           </a:extLst>
         </p:spPr>
@@ -3833,7 +3833,7 @@
           </a:prstGeom>
           <a:extLst>
             <a:ext uri="{C572A759-6A51-4108-AA02-DFA0A04FC94B}">
-              <ma14:wrappingTextBoxFlag xmlns:ma14="http://schemas.microsoft.com/office/mac/drawingml/2011/main" xmlns:a14="http://schemas.microsoft.com/office/drawing/2010/main" xmlns:m="http://schemas.openxmlformats.org/officeDocument/2006/math" xmlns="" val="1"/>
+              <ma14:wrappingTextBoxFlag xmlns="" xmlns:m="http://schemas.openxmlformats.org/officeDocument/2006/math" xmlns:a14="http://schemas.microsoft.com/office/drawing/2010/main" xmlns:ma14="http://schemas.microsoft.com/office/mac/drawingml/2011/main" val="1"/>
             </a:ext>
           </a:extLst>
         </p:spPr>
@@ -4107,7 +4107,7 @@
           </a:prstGeom>
           <a:extLst>
             <a:ext uri="{C572A759-6A51-4108-AA02-DFA0A04FC94B}">
-              <ma14:wrappingTextBoxFlag xmlns:ma14="http://schemas.microsoft.com/office/mac/drawingml/2011/main" xmlns:a14="http://schemas.microsoft.com/office/drawing/2010/main" xmlns:m="http://schemas.openxmlformats.org/officeDocument/2006/math" xmlns="" val="1"/>
+              <ma14:wrappingTextBoxFlag xmlns="" xmlns:m="http://schemas.openxmlformats.org/officeDocument/2006/math" xmlns:a14="http://schemas.microsoft.com/office/drawing/2010/main" xmlns:ma14="http://schemas.microsoft.com/office/mac/drawingml/2011/main" val="1"/>
             </a:ext>
           </a:extLst>
         </p:spPr>
@@ -4171,7 +4171,7 @@
           </a:ln>
           <a:extLst>
             <a:ext uri="{C572A759-6A51-4108-AA02-DFA0A04FC94B}">
-              <ma14:wrappingTextBoxFlag xmlns:ma14="http://schemas.microsoft.com/office/mac/drawingml/2011/main" xmlns:a14="http://schemas.microsoft.com/office/drawing/2010/main" xmlns:m="http://schemas.openxmlformats.org/officeDocument/2006/math" xmlns="" val="1"/>
+              <ma14:wrappingTextBoxFlag xmlns="" xmlns:m="http://schemas.openxmlformats.org/officeDocument/2006/math" xmlns:a14="http://schemas.microsoft.com/office/drawing/2010/main" xmlns:ma14="http://schemas.microsoft.com/office/mac/drawingml/2011/main" val="1"/>
             </a:ext>
           </a:extLst>
         </p:spPr>
@@ -4219,7 +4219,7 @@
           </a:ln>
           <a:extLst>
             <a:ext uri="{C572A759-6A51-4108-AA02-DFA0A04FC94B}">
-              <ma14:wrappingTextBoxFlag xmlns:ma14="http://schemas.microsoft.com/office/mac/drawingml/2011/main" xmlns:a14="http://schemas.microsoft.com/office/drawing/2010/main" xmlns:m="http://schemas.openxmlformats.org/officeDocument/2006/math" xmlns="" val="1"/>
+              <ma14:wrappingTextBoxFlag xmlns="" xmlns:m="http://schemas.openxmlformats.org/officeDocument/2006/math" xmlns:a14="http://schemas.microsoft.com/office/drawing/2010/main" xmlns:ma14="http://schemas.microsoft.com/office/mac/drawingml/2011/main" val="1"/>
             </a:ext>
           </a:extLst>
         </p:spPr>
@@ -4896,7 +4896,7 @@
           </a:prstGeom>
           <a:extLst>
             <a:ext uri="{C572A759-6A51-4108-AA02-DFA0A04FC94B}">
-              <ma14:wrappingTextBoxFlag xmlns:ma14="http://schemas.microsoft.com/office/mac/drawingml/2011/main" xmlns:a14="http://schemas.microsoft.com/office/drawing/2010/main" xmlns:m="http://schemas.openxmlformats.org/officeDocument/2006/math" xmlns="" val="1"/>
+              <ma14:wrappingTextBoxFlag xmlns="" xmlns:m="http://schemas.openxmlformats.org/officeDocument/2006/math" xmlns:a14="http://schemas.microsoft.com/office/drawing/2010/main" xmlns:ma14="http://schemas.microsoft.com/office/mac/drawingml/2011/main" val="1"/>
             </a:ext>
           </a:extLst>
         </p:spPr>
@@ -4960,7 +4960,7 @@
           </a:ln>
           <a:extLst>
             <a:ext uri="{C572A759-6A51-4108-AA02-DFA0A04FC94B}">
-              <ma14:wrappingTextBoxFlag xmlns:ma14="http://schemas.microsoft.com/office/mac/drawingml/2011/main" xmlns:a14="http://schemas.microsoft.com/office/drawing/2010/main" xmlns:m="http://schemas.openxmlformats.org/officeDocument/2006/math" xmlns="" val="1"/>
+              <ma14:wrappingTextBoxFlag xmlns="" xmlns:m="http://schemas.openxmlformats.org/officeDocument/2006/math" xmlns:a14="http://schemas.microsoft.com/office/drawing/2010/main" xmlns:ma14="http://schemas.microsoft.com/office/mac/drawingml/2011/main" val="1"/>
             </a:ext>
           </a:extLst>
         </p:spPr>
@@ -5008,7 +5008,7 @@
           </a:ln>
           <a:extLst>
             <a:ext uri="{C572A759-6A51-4108-AA02-DFA0A04FC94B}">
-              <ma14:wrappingTextBoxFlag xmlns:ma14="http://schemas.microsoft.com/office/mac/drawingml/2011/main" xmlns:a14="http://schemas.microsoft.com/office/drawing/2010/main" xmlns:m="http://schemas.openxmlformats.org/officeDocument/2006/math" xmlns="" val="1"/>
+              <ma14:wrappingTextBoxFlag xmlns="" xmlns:m="http://schemas.openxmlformats.org/officeDocument/2006/math" xmlns:a14="http://schemas.microsoft.com/office/drawing/2010/main" xmlns:ma14="http://schemas.microsoft.com/office/mac/drawingml/2011/main" val="1"/>
             </a:ext>
           </a:extLst>
         </p:spPr>
@@ -5245,7 +5245,7 @@
           </a:prstGeom>
           <a:extLst>
             <a:ext uri="{C572A759-6A51-4108-AA02-DFA0A04FC94B}">
-              <ma14:wrappingTextBoxFlag xmlns:ma14="http://schemas.microsoft.com/office/mac/drawingml/2011/main" xmlns:a14="http://schemas.microsoft.com/office/drawing/2010/main" xmlns:m="http://schemas.openxmlformats.org/officeDocument/2006/math" xmlns="" val="1"/>
+              <ma14:wrappingTextBoxFlag xmlns="" xmlns:m="http://schemas.openxmlformats.org/officeDocument/2006/math" xmlns:a14="http://schemas.microsoft.com/office/drawing/2010/main" xmlns:ma14="http://schemas.microsoft.com/office/mac/drawingml/2011/main" val="1"/>
             </a:ext>
           </a:extLst>
         </p:spPr>
@@ -5284,8 +5284,12 @@
           <a:lstStyle/>
           <a:p>
             <a:r>
+              <a:rPr lang="ru-RU" smtClean="0"/>
+              <a:t>4. </a:t>
+            </a:r>
+            <a:r>
               <a:rPr lang="ru-RU" dirty="0"/>
-              <a:t>10. Выводы</a:t>
+              <a:t>Выводы</a:t>
             </a:r>
           </a:p>
         </p:txBody>
@@ -5309,7 +5313,7 @@
           </a:ln>
           <a:extLst>
             <a:ext uri="{C572A759-6A51-4108-AA02-DFA0A04FC94B}">
-              <ma14:wrappingTextBoxFlag xmlns:ma14="http://schemas.microsoft.com/office/mac/drawingml/2011/main" xmlns:a14="http://schemas.microsoft.com/office/drawing/2010/main" xmlns:m="http://schemas.openxmlformats.org/officeDocument/2006/math" xmlns="" val="1"/>
+              <ma14:wrappingTextBoxFlag xmlns="" xmlns:m="http://schemas.openxmlformats.org/officeDocument/2006/math" xmlns:a14="http://schemas.microsoft.com/office/drawing/2010/main" xmlns:ma14="http://schemas.microsoft.com/office/mac/drawingml/2011/main" val="1"/>
             </a:ext>
           </a:extLst>
         </p:spPr>
@@ -5357,7 +5361,7 @@
           </a:ln>
           <a:extLst>
             <a:ext uri="{C572A759-6A51-4108-AA02-DFA0A04FC94B}">
-              <ma14:wrappingTextBoxFlag xmlns:ma14="http://schemas.microsoft.com/office/mac/drawingml/2011/main" xmlns:a14="http://schemas.microsoft.com/office/drawing/2010/main" xmlns:m="http://schemas.openxmlformats.org/officeDocument/2006/math" xmlns="" val="1"/>
+              <ma14:wrappingTextBoxFlag xmlns="" xmlns:m="http://schemas.openxmlformats.org/officeDocument/2006/math" xmlns:a14="http://schemas.microsoft.com/office/drawing/2010/main" xmlns:ma14="http://schemas.microsoft.com/office/mac/drawingml/2011/main" val="1"/>
             </a:ext>
           </a:extLst>
         </p:spPr>
@@ -5410,7 +5414,7 @@
           </a:ln>
           <a:extLst>
             <a:ext uri="{C572A759-6A51-4108-AA02-DFA0A04FC94B}">
-              <ma14:wrappingTextBoxFlag xmlns:ma14="http://schemas.microsoft.com/office/mac/drawingml/2011/main" xmlns:a14="http://schemas.microsoft.com/office/drawing/2010/main" xmlns:m="http://schemas.openxmlformats.org/officeDocument/2006/math" xmlns="" val="1"/>
+              <ma14:wrappingTextBoxFlag xmlns="" xmlns:m="http://schemas.openxmlformats.org/officeDocument/2006/math" xmlns:a14="http://schemas.microsoft.com/office/drawing/2010/main" xmlns:ma14="http://schemas.microsoft.com/office/mac/drawingml/2011/main" val="1"/>
             </a:ext>
           </a:extLst>
         </p:spPr>
@@ -5449,7 +5453,7 @@
           <p:cNvPr id="3" name="Недостатки">
             <a:extLst>
               <a:ext uri="{FF2B5EF4-FFF2-40B4-BE49-F238E27FC236}">
-                <a16:creationId xmlns:a16="http://schemas.microsoft.com/office/drawing/2014/main" xmlns="" id="{0A372D5F-F70E-7506-B020-86E694362529}"/>
+                <a16:creationId xmlns="" xmlns:a16="http://schemas.microsoft.com/office/drawing/2014/main" id="{0A372D5F-F70E-7506-B020-86E694362529}"/>
               </a:ext>
             </a:extLst>
           </p:cNvPr>
@@ -5469,7 +5473,7 @@
           </a:ln>
           <a:extLst>
             <a:ext uri="{C572A759-6A51-4108-AA02-DFA0A04FC94B}">
-              <ma14:wrappingTextBoxFlag xmlns:ma14="http://schemas.microsoft.com/office/mac/drawingml/2011/main" xmlns:a14="http://schemas.microsoft.com/office/drawing/2010/main" xmlns:m="http://schemas.openxmlformats.org/officeDocument/2006/math" xmlns="" val="1"/>
+              <ma14:wrappingTextBoxFlag xmlns="" xmlns:m="http://schemas.openxmlformats.org/officeDocument/2006/math" xmlns:a14="http://schemas.microsoft.com/office/drawing/2010/main" xmlns:ma14="http://schemas.microsoft.com/office/mac/drawingml/2011/main" val="1"/>
             </a:ext>
           </a:extLst>
         </p:spPr>
@@ -5503,7 +5507,7 @@
           <p:cNvPr id="4" name="Отсутствие виджетов;…">
             <a:extLst>
               <a:ext uri="{FF2B5EF4-FFF2-40B4-BE49-F238E27FC236}">
-                <a16:creationId xmlns:a16="http://schemas.microsoft.com/office/drawing/2014/main" xmlns="" id="{2F8F5178-DDB2-ECC2-8A32-FF6F540AAF0B}"/>
+                <a16:creationId xmlns="" xmlns:a16="http://schemas.microsoft.com/office/drawing/2014/main" id="{2F8F5178-DDB2-ECC2-8A32-FF6F540AAF0B}"/>
               </a:ext>
             </a:extLst>
           </p:cNvPr>
@@ -5523,7 +5527,7 @@
           </a:ln>
           <a:extLst>
             <a:ext uri="{C572A759-6A51-4108-AA02-DFA0A04FC94B}">
-              <ma14:wrappingTextBoxFlag xmlns:ma14="http://schemas.microsoft.com/office/mac/drawingml/2011/main" xmlns:a14="http://schemas.microsoft.com/office/drawing/2010/main" xmlns:m="http://schemas.openxmlformats.org/officeDocument/2006/math" xmlns="" val="1"/>
+              <ma14:wrappingTextBoxFlag xmlns="" xmlns:m="http://schemas.openxmlformats.org/officeDocument/2006/math" xmlns:a14="http://schemas.microsoft.com/office/drawing/2010/main" xmlns:ma14="http://schemas.microsoft.com/office/mac/drawingml/2011/main" val="1"/>
             </a:ext>
           </a:extLst>
         </p:spPr>
